--- a/images/vecteezy_maple-and-ebony-guitar-fingerboard-isolated-on-white-background-vector-illustration_1330170/dirt_highlights.pptx
+++ b/images/vecteezy_maple-and-ebony-guitar-fingerboard-isolated-on-white-background-vector-illustration_1330170/dirt_highlights.pptx
@@ -110,6 +110,11 @@
       </a:defRPr>
     </a:lvl9pPr>
   </p:defaultTextStyle>
+  <p:extLst>
+    <p:ext uri="{EFAFB233-063F-42B5-8137-9DF3F51BA10A}">
+      <p15:sldGuideLst xmlns:p15="http://schemas.microsoft.com/office/powerpoint/2012/main"/>
+    </p:ext>
+  </p:extLst>
 </p:presentation>
 </file>
 
@@ -3404,10 +3409,10 @@
       </p:grpSpPr>
       <p:grpSp>
         <p:nvGrpSpPr>
-          <p:cNvPr id="3" name="Group 2">
-            <a:extLst>
-              <a:ext uri="{FF2B5EF4-FFF2-40B4-BE49-F238E27FC236}">
-                <a16:creationId xmlns:a16="http://schemas.microsoft.com/office/drawing/2014/main" id="{73C32024-927B-5149-8E07-4CC837CD13B2}"/>
+          <p:cNvPr id="9" name="Group 8">
+            <a:extLst>
+              <a:ext uri="{FF2B5EF4-FFF2-40B4-BE49-F238E27FC236}">
+                <a16:creationId xmlns:a16="http://schemas.microsoft.com/office/drawing/2014/main" id="{2872D9F4-0CF2-3C4E-A6F2-7D1070904CD8}"/>
               </a:ext>
             </a:extLst>
           </p:cNvPr>
@@ -3416,18 +3421,18 @@
         </p:nvGrpSpPr>
         <p:grpSpPr>
           <a:xfrm>
-            <a:off x="867188" y="1371596"/>
-            <a:ext cx="10524712" cy="3937003"/>
-            <a:chOff x="867188" y="1371596"/>
-            <a:chExt cx="10524712" cy="3937003"/>
+            <a:off x="850900" y="1377375"/>
+            <a:ext cx="10541000" cy="3937000"/>
+            <a:chOff x="850900" y="1377375"/>
+            <a:chExt cx="10541000" cy="3937000"/>
           </a:xfrm>
         </p:grpSpPr>
         <p:pic>
           <p:nvPicPr>
-            <p:cNvPr id="5" name="Picture 4">
+            <p:cNvPr id="8" name="Picture 7">
               <a:extLst>
                 <a:ext uri="{FF2B5EF4-FFF2-40B4-BE49-F238E27FC236}">
-                  <a16:creationId xmlns:a16="http://schemas.microsoft.com/office/drawing/2014/main" id="{E451A8E3-2D18-1147-B351-868E8DBA0DAD}"/>
+                  <a16:creationId xmlns:a16="http://schemas.microsoft.com/office/drawing/2014/main" id="{AD5DF7D5-D448-4145-B55C-E7D74F1F52B8}"/>
                 </a:ext>
               </a:extLst>
             </p:cNvPr>
@@ -3436,26 +3441,20 @@
             </p:cNvPicPr>
             <p:nvPr/>
           </p:nvPicPr>
-          <p:blipFill rotWithShape="1">
+          <p:blipFill>
             <a:blip r:embed="rId2"/>
-            <a:srcRect l="61060" t="8613" r="21652" b="61440"/>
-            <a:stretch/>
+            <a:stretch>
+              <a:fillRect/>
+            </a:stretch>
           </p:blipFill>
           <p:spPr>
-            <a:xfrm rot="16200000">
-              <a:off x="4143018" y="-1904234"/>
-              <a:ext cx="3937003" cy="10488664"/>
+            <a:xfrm>
+              <a:off x="850900" y="1377375"/>
+              <a:ext cx="10490200" cy="3937000"/>
             </a:xfrm>
             <a:prstGeom prst="rect">
               <a:avLst/>
             </a:prstGeom>
-            <a:solidFill>
-              <a:schemeClr val="accent4">
-                <a:lumMod val="40000"/>
-                <a:lumOff val="60000"/>
-                <a:alpha val="14000"/>
-              </a:schemeClr>
-            </a:solidFill>
           </p:spPr>
         </p:pic>
         <p:sp>
@@ -3471,7 +3470,7 @@
             <p:nvPr/>
           </p:nvSpPr>
           <p:spPr>
-            <a:xfrm rot="-60000">
+            <a:xfrm rot="21540000">
               <a:off x="1358900" y="2212972"/>
               <a:ext cx="10033000" cy="177800"/>
             </a:xfrm>
@@ -3545,119 +3544,92 @@
           <a:chExt cx="0" cy="0"/>
         </a:xfrm>
       </p:grpSpPr>
-      <p:grpSp>
-        <p:nvGrpSpPr>
-          <p:cNvPr id="2" name="Group 1">
-            <a:extLst>
-              <a:ext uri="{FF2B5EF4-FFF2-40B4-BE49-F238E27FC236}">
-                <a16:creationId xmlns:a16="http://schemas.microsoft.com/office/drawing/2014/main" id="{AE26C5E8-A916-024D-85B7-518DF4769395}"/>
-              </a:ext>
-            </a:extLst>
-          </p:cNvPr>
-          <p:cNvGrpSpPr/>
+      <p:pic>
+        <p:nvPicPr>
+          <p:cNvPr id="6" name="Picture 5">
+            <a:extLst>
+              <a:ext uri="{FF2B5EF4-FFF2-40B4-BE49-F238E27FC236}">
+                <a16:creationId xmlns:a16="http://schemas.microsoft.com/office/drawing/2014/main" id="{7049F276-8F7A-4B4A-BC29-4FA6C2C013EA}"/>
+              </a:ext>
+            </a:extLst>
+          </p:cNvPr>
+          <p:cNvPicPr>
+            <a:picLocks noChangeAspect="1"/>
+          </p:cNvPicPr>
           <p:nvPr/>
-        </p:nvGrpSpPr>
-        <p:grpSpPr>
+        </p:nvPicPr>
+        <p:blipFill>
+          <a:blip r:embed="rId2"/>
+          <a:stretch>
+            <a:fillRect/>
+          </a:stretch>
+        </p:blipFill>
+        <p:spPr>
           <a:xfrm>
-            <a:off x="867188" y="1371596"/>
-            <a:ext cx="10489747" cy="3937003"/>
-            <a:chOff x="867188" y="1371596"/>
-            <a:chExt cx="10489747" cy="3937003"/>
+            <a:off x="850900" y="1377375"/>
+            <a:ext cx="10490200" cy="3937000"/>
           </a:xfrm>
-        </p:grpSpPr>
-        <p:pic>
-          <p:nvPicPr>
-            <p:cNvPr id="5" name="Picture 4">
-              <a:extLst>
-                <a:ext uri="{FF2B5EF4-FFF2-40B4-BE49-F238E27FC236}">
-                  <a16:creationId xmlns:a16="http://schemas.microsoft.com/office/drawing/2014/main" id="{E451A8E3-2D18-1147-B351-868E8DBA0DAD}"/>
-                </a:ext>
-              </a:extLst>
-            </p:cNvPr>
-            <p:cNvPicPr>
-              <a:picLocks noChangeAspect="1"/>
-            </p:cNvPicPr>
-            <p:nvPr/>
-          </p:nvPicPr>
-          <p:blipFill rotWithShape="1">
-            <a:blip r:embed="rId2"/>
-            <a:srcRect l="61060" t="8613" r="21652" b="61440"/>
-            <a:stretch/>
-          </p:blipFill>
-          <p:spPr>
-            <a:xfrm rot="16200000">
-              <a:off x="4143018" y="-1904234"/>
-              <a:ext cx="3937003" cy="10488664"/>
-            </a:xfrm>
-            <a:prstGeom prst="rect">
-              <a:avLst/>
-            </a:prstGeom>
-            <a:solidFill>
-              <a:schemeClr val="accent4">
-                <a:lumMod val="40000"/>
-                <a:lumOff val="60000"/>
-                <a:alpha val="14000"/>
-              </a:schemeClr>
-            </a:solidFill>
-          </p:spPr>
-        </p:pic>
-        <p:sp>
-          <p:nvSpPr>
-            <p:cNvPr id="3" name="Rounded Rectangle 2">
-              <a:extLst>
-                <a:ext uri="{FF2B5EF4-FFF2-40B4-BE49-F238E27FC236}">
-                  <a16:creationId xmlns:a16="http://schemas.microsoft.com/office/drawing/2014/main" id="{84F923D6-A2BC-B84A-9E32-DFD1AE68EF09}"/>
-                </a:ext>
-              </a:extLst>
-            </p:cNvPr>
-            <p:cNvSpPr/>
-            <p:nvPr/>
-          </p:nvSpPr>
-          <p:spPr>
-            <a:xfrm rot="21566646">
-              <a:off x="1413380" y="2677132"/>
-              <a:ext cx="9943555" cy="174998"/>
-            </a:xfrm>
-            <a:prstGeom prst="roundRect">
-              <a:avLst/>
-            </a:prstGeom>
-            <a:solidFill>
-              <a:schemeClr val="accent4">
-                <a:lumMod val="40000"/>
-                <a:lumOff val="60000"/>
-                <a:alpha val="44000"/>
-              </a:schemeClr>
-            </a:solidFill>
-            <a:ln>
-              <a:noFill/>
-            </a:ln>
-          </p:spPr>
-          <p:style>
-            <a:lnRef idx="2">
-              <a:schemeClr val="accent1">
-                <a:shade val="50000"/>
-              </a:schemeClr>
-            </a:lnRef>
-            <a:fillRef idx="1">
-              <a:schemeClr val="accent1"/>
-            </a:fillRef>
-            <a:effectRef idx="0">
-              <a:schemeClr val="accent1"/>
-            </a:effectRef>
-            <a:fontRef idx="minor">
-              <a:schemeClr val="lt1"/>
-            </a:fontRef>
-          </p:style>
-          <p:txBody>
-            <a:bodyPr rtlCol="0" anchor="ctr"/>
-            <a:lstStyle/>
-            <a:p>
-              <a:pPr algn="ctr"/>
-              <a:endParaRPr lang="en-US"/>
-            </a:p>
-          </p:txBody>
-        </p:sp>
-      </p:grpSp>
+          <a:prstGeom prst="rect">
+            <a:avLst/>
+          </a:prstGeom>
+        </p:spPr>
+      </p:pic>
+      <p:sp>
+        <p:nvSpPr>
+          <p:cNvPr id="3" name="Rounded Rectangle 2">
+            <a:extLst>
+              <a:ext uri="{FF2B5EF4-FFF2-40B4-BE49-F238E27FC236}">
+                <a16:creationId xmlns:a16="http://schemas.microsoft.com/office/drawing/2014/main" id="{84F923D6-A2BC-B84A-9E32-DFD1AE68EF09}"/>
+              </a:ext>
+            </a:extLst>
+          </p:cNvPr>
+          <p:cNvSpPr/>
+          <p:nvPr/>
+        </p:nvSpPr>
+        <p:spPr>
+          <a:xfrm rot="21566646">
+            <a:off x="1413380" y="2677132"/>
+            <a:ext cx="9943555" cy="174998"/>
+          </a:xfrm>
+          <a:prstGeom prst="roundRect">
+            <a:avLst/>
+          </a:prstGeom>
+          <a:solidFill>
+            <a:schemeClr val="accent4">
+              <a:lumMod val="40000"/>
+              <a:lumOff val="60000"/>
+              <a:alpha val="44000"/>
+            </a:schemeClr>
+          </a:solidFill>
+          <a:ln>
+            <a:noFill/>
+          </a:ln>
+        </p:spPr>
+        <p:style>
+          <a:lnRef idx="2">
+            <a:schemeClr val="accent1">
+              <a:shade val="50000"/>
+            </a:schemeClr>
+          </a:lnRef>
+          <a:fillRef idx="1">
+            <a:schemeClr val="accent1"/>
+          </a:fillRef>
+          <a:effectRef idx="0">
+            <a:schemeClr val="accent1"/>
+          </a:effectRef>
+          <a:fontRef idx="minor">
+            <a:schemeClr val="lt1"/>
+          </a:fontRef>
+        </p:style>
+        <p:txBody>
+          <a:bodyPr rtlCol="0" anchor="ctr"/>
+          <a:lstStyle/>
+          <a:p>
+            <a:pPr algn="ctr"/>
+            <a:endParaRPr lang="en-US"/>
+          </a:p>
+        </p:txBody>
+      </p:sp>
     </p:spTree>
     <p:extLst>
       <p:ext uri="{BB962C8B-B14F-4D97-AF65-F5344CB8AC3E}">
@@ -3690,10 +3662,10 @@
       </p:grpSpPr>
       <p:grpSp>
         <p:nvGrpSpPr>
-          <p:cNvPr id="2" name="Group 1">
-            <a:extLst>
-              <a:ext uri="{FF2B5EF4-FFF2-40B4-BE49-F238E27FC236}">
-                <a16:creationId xmlns:a16="http://schemas.microsoft.com/office/drawing/2014/main" id="{31BF178A-40F1-B54F-A439-731F9B5D45F2}"/>
+          <p:cNvPr id="4" name="Group 3">
+            <a:extLst>
+              <a:ext uri="{FF2B5EF4-FFF2-40B4-BE49-F238E27FC236}">
+                <a16:creationId xmlns:a16="http://schemas.microsoft.com/office/drawing/2014/main" id="{6526DA12-43F9-CA49-B0CB-F40B5861550E}"/>
               </a:ext>
             </a:extLst>
           </p:cNvPr>
@@ -3702,18 +3674,18 @@
         </p:nvGrpSpPr>
         <p:grpSpPr>
           <a:xfrm>
-            <a:off x="867188" y="1371596"/>
-            <a:ext cx="10489747" cy="3937003"/>
-            <a:chOff x="867188" y="1371596"/>
-            <a:chExt cx="10489747" cy="3937003"/>
+            <a:off x="850900" y="1377375"/>
+            <a:ext cx="10506035" cy="3937000"/>
+            <a:chOff x="850900" y="1377375"/>
+            <a:chExt cx="10506035" cy="3937000"/>
           </a:xfrm>
         </p:grpSpPr>
         <p:pic>
           <p:nvPicPr>
-            <p:cNvPr id="5" name="Picture 4">
+            <p:cNvPr id="6" name="Picture 5">
               <a:extLst>
                 <a:ext uri="{FF2B5EF4-FFF2-40B4-BE49-F238E27FC236}">
-                  <a16:creationId xmlns:a16="http://schemas.microsoft.com/office/drawing/2014/main" id="{E451A8E3-2D18-1147-B351-868E8DBA0DAD}"/>
+                  <a16:creationId xmlns:a16="http://schemas.microsoft.com/office/drawing/2014/main" id="{6FC21383-FCCE-3247-9FFD-C41B9E248C14}"/>
                 </a:ext>
               </a:extLst>
             </p:cNvPr>
@@ -3722,26 +3694,20 @@
             </p:cNvPicPr>
             <p:nvPr/>
           </p:nvPicPr>
-          <p:blipFill rotWithShape="1">
+          <p:blipFill>
             <a:blip r:embed="rId2"/>
-            <a:srcRect l="61060" t="8613" r="21652" b="61440"/>
-            <a:stretch/>
+            <a:stretch>
+              <a:fillRect/>
+            </a:stretch>
           </p:blipFill>
           <p:spPr>
-            <a:xfrm rot="16200000">
-              <a:off x="4143018" y="-1904234"/>
-              <a:ext cx="3937003" cy="10488664"/>
+            <a:xfrm>
+              <a:off x="850900" y="1377375"/>
+              <a:ext cx="10490200" cy="3937000"/>
             </a:xfrm>
             <a:prstGeom prst="rect">
               <a:avLst/>
             </a:prstGeom>
-            <a:solidFill>
-              <a:schemeClr val="accent4">
-                <a:lumMod val="40000"/>
-                <a:lumOff val="60000"/>
-                <a:alpha val="14000"/>
-              </a:schemeClr>
-            </a:solidFill>
           </p:spPr>
         </p:pic>
         <p:sp>
@@ -3833,10 +3799,10 @@
       </p:grpSpPr>
       <p:grpSp>
         <p:nvGrpSpPr>
-          <p:cNvPr id="2" name="Group 1">
-            <a:extLst>
-              <a:ext uri="{FF2B5EF4-FFF2-40B4-BE49-F238E27FC236}">
-                <a16:creationId xmlns:a16="http://schemas.microsoft.com/office/drawing/2014/main" id="{3A35CD4A-C156-8B4A-B69E-DFF1E339064E}"/>
+          <p:cNvPr id="4" name="Group 3">
+            <a:extLst>
+              <a:ext uri="{FF2B5EF4-FFF2-40B4-BE49-F238E27FC236}">
+                <a16:creationId xmlns:a16="http://schemas.microsoft.com/office/drawing/2014/main" id="{158F9046-8180-0F45-B46B-15C0D102B750}"/>
               </a:ext>
             </a:extLst>
           </p:cNvPr>
@@ -3845,18 +3811,18 @@
         </p:nvGrpSpPr>
         <p:grpSpPr>
           <a:xfrm>
-            <a:off x="867188" y="1371596"/>
-            <a:ext cx="10489747" cy="3937003"/>
-            <a:chOff x="867188" y="1371596"/>
-            <a:chExt cx="10489747" cy="3937003"/>
+            <a:off x="850900" y="1377375"/>
+            <a:ext cx="10506035" cy="3937000"/>
+            <a:chOff x="850900" y="1377375"/>
+            <a:chExt cx="10506035" cy="3937000"/>
           </a:xfrm>
         </p:grpSpPr>
         <p:pic>
           <p:nvPicPr>
-            <p:cNvPr id="5" name="Picture 4">
+            <p:cNvPr id="6" name="Picture 5">
               <a:extLst>
                 <a:ext uri="{FF2B5EF4-FFF2-40B4-BE49-F238E27FC236}">
-                  <a16:creationId xmlns:a16="http://schemas.microsoft.com/office/drawing/2014/main" id="{E451A8E3-2D18-1147-B351-868E8DBA0DAD}"/>
+                  <a16:creationId xmlns:a16="http://schemas.microsoft.com/office/drawing/2014/main" id="{14486DB5-18FC-E241-923F-486A1F7EC582}"/>
                 </a:ext>
               </a:extLst>
             </p:cNvPr>
@@ -3865,26 +3831,20 @@
             </p:cNvPicPr>
             <p:nvPr/>
           </p:nvPicPr>
-          <p:blipFill rotWithShape="1">
+          <p:blipFill>
             <a:blip r:embed="rId2"/>
-            <a:srcRect l="61060" t="8613" r="21652" b="61440"/>
-            <a:stretch/>
+            <a:stretch>
+              <a:fillRect/>
+            </a:stretch>
           </p:blipFill>
           <p:spPr>
-            <a:xfrm rot="16200000">
-              <a:off x="4143018" y="-1904234"/>
-              <a:ext cx="3937003" cy="10488664"/>
+            <a:xfrm>
+              <a:off x="850900" y="1377375"/>
+              <a:ext cx="10490200" cy="3937000"/>
             </a:xfrm>
             <a:prstGeom prst="rect">
               <a:avLst/>
             </a:prstGeom>
-            <a:solidFill>
-              <a:schemeClr val="accent4">
-                <a:lumMod val="40000"/>
-                <a:lumOff val="60000"/>
-                <a:alpha val="14000"/>
-              </a:schemeClr>
-            </a:solidFill>
           </p:spPr>
         </p:pic>
         <p:sp>
@@ -3976,10 +3936,10 @@
       </p:grpSpPr>
       <p:grpSp>
         <p:nvGrpSpPr>
-          <p:cNvPr id="2" name="Group 1">
-            <a:extLst>
-              <a:ext uri="{FF2B5EF4-FFF2-40B4-BE49-F238E27FC236}">
-                <a16:creationId xmlns:a16="http://schemas.microsoft.com/office/drawing/2014/main" id="{77F4CC2F-55AD-3E41-B03B-34B25E7E6273}"/>
+          <p:cNvPr id="4" name="Group 3">
+            <a:extLst>
+              <a:ext uri="{FF2B5EF4-FFF2-40B4-BE49-F238E27FC236}">
+                <a16:creationId xmlns:a16="http://schemas.microsoft.com/office/drawing/2014/main" id="{8CDE3D20-313F-CF41-BAF2-86943BB3006A}"/>
               </a:ext>
             </a:extLst>
           </p:cNvPr>
@@ -3988,18 +3948,18 @@
         </p:nvGrpSpPr>
         <p:grpSpPr>
           <a:xfrm>
-            <a:off x="867188" y="1371596"/>
-            <a:ext cx="10489747" cy="3937003"/>
-            <a:chOff x="867188" y="1371596"/>
-            <a:chExt cx="10489747" cy="3937003"/>
+            <a:off x="850900" y="1365500"/>
+            <a:ext cx="10506035" cy="3937000"/>
+            <a:chOff x="850900" y="1365500"/>
+            <a:chExt cx="10506035" cy="3937000"/>
           </a:xfrm>
         </p:grpSpPr>
         <p:pic>
           <p:nvPicPr>
-            <p:cNvPr id="5" name="Picture 4">
+            <p:cNvPr id="6" name="Picture 5">
               <a:extLst>
                 <a:ext uri="{FF2B5EF4-FFF2-40B4-BE49-F238E27FC236}">
-                  <a16:creationId xmlns:a16="http://schemas.microsoft.com/office/drawing/2014/main" id="{E451A8E3-2D18-1147-B351-868E8DBA0DAD}"/>
+                  <a16:creationId xmlns:a16="http://schemas.microsoft.com/office/drawing/2014/main" id="{CA3DC57F-9DAB-0044-ACAE-0DEDBCC3B62C}"/>
                 </a:ext>
               </a:extLst>
             </p:cNvPr>
@@ -4008,26 +3968,20 @@
             </p:cNvPicPr>
             <p:nvPr/>
           </p:nvPicPr>
-          <p:blipFill rotWithShape="1">
+          <p:blipFill>
             <a:blip r:embed="rId2"/>
-            <a:srcRect l="61060" t="8613" r="21652" b="61440"/>
-            <a:stretch/>
+            <a:stretch>
+              <a:fillRect/>
+            </a:stretch>
           </p:blipFill>
           <p:spPr>
-            <a:xfrm rot="16200000">
-              <a:off x="4143018" y="-1904234"/>
-              <a:ext cx="3937003" cy="10488664"/>
+            <a:xfrm>
+              <a:off x="850900" y="1365500"/>
+              <a:ext cx="10490200" cy="3937000"/>
             </a:xfrm>
             <a:prstGeom prst="rect">
               <a:avLst/>
             </a:prstGeom>
-            <a:solidFill>
-              <a:schemeClr val="accent4">
-                <a:lumMod val="40000"/>
-                <a:lumOff val="60000"/>
-                <a:alpha val="14000"/>
-              </a:schemeClr>
-            </a:solidFill>
           </p:spPr>
         </p:pic>
         <p:sp>
@@ -4119,10 +4073,10 @@
       </p:grpSpPr>
       <p:grpSp>
         <p:nvGrpSpPr>
-          <p:cNvPr id="2" name="Group 1">
-            <a:extLst>
-              <a:ext uri="{FF2B5EF4-FFF2-40B4-BE49-F238E27FC236}">
-                <a16:creationId xmlns:a16="http://schemas.microsoft.com/office/drawing/2014/main" id="{0784B444-0289-7C42-BB4E-D65C30BB6A0F}"/>
+          <p:cNvPr id="4" name="Group 3">
+            <a:extLst>
+              <a:ext uri="{FF2B5EF4-FFF2-40B4-BE49-F238E27FC236}">
+                <a16:creationId xmlns:a16="http://schemas.microsoft.com/office/drawing/2014/main" id="{F766D16C-8CE0-A647-A9BA-A5E4CC7EE418}"/>
               </a:ext>
             </a:extLst>
           </p:cNvPr>
@@ -4131,18 +4085,18 @@
         </p:nvGrpSpPr>
         <p:grpSpPr>
           <a:xfrm>
-            <a:off x="867188" y="1371596"/>
-            <a:ext cx="10489747" cy="3937003"/>
-            <a:chOff x="867188" y="1371596"/>
-            <a:chExt cx="10489747" cy="3937003"/>
+            <a:off x="850900" y="1401125"/>
+            <a:ext cx="10506035" cy="3937000"/>
+            <a:chOff x="850900" y="1401125"/>
+            <a:chExt cx="10506035" cy="3937000"/>
           </a:xfrm>
         </p:grpSpPr>
         <p:pic>
           <p:nvPicPr>
-            <p:cNvPr id="5" name="Picture 4">
+            <p:cNvPr id="6" name="Picture 5">
               <a:extLst>
                 <a:ext uri="{FF2B5EF4-FFF2-40B4-BE49-F238E27FC236}">
-                  <a16:creationId xmlns:a16="http://schemas.microsoft.com/office/drawing/2014/main" id="{E451A8E3-2D18-1147-B351-868E8DBA0DAD}"/>
+                  <a16:creationId xmlns:a16="http://schemas.microsoft.com/office/drawing/2014/main" id="{3A4102CE-BB75-0345-ACB3-FF8BF92426B9}"/>
                 </a:ext>
               </a:extLst>
             </p:cNvPr>
@@ -4151,26 +4105,20 @@
             </p:cNvPicPr>
             <p:nvPr/>
           </p:nvPicPr>
-          <p:blipFill rotWithShape="1">
+          <p:blipFill>
             <a:blip r:embed="rId2"/>
-            <a:srcRect l="61060" t="8613" r="21652" b="61440"/>
-            <a:stretch/>
+            <a:stretch>
+              <a:fillRect/>
+            </a:stretch>
           </p:blipFill>
           <p:spPr>
-            <a:xfrm rot="16200000">
-              <a:off x="4143018" y="-1904234"/>
-              <a:ext cx="3937003" cy="10488664"/>
+            <a:xfrm>
+              <a:off x="850900" y="1401125"/>
+              <a:ext cx="10490200" cy="3937000"/>
             </a:xfrm>
             <a:prstGeom prst="rect">
               <a:avLst/>
             </a:prstGeom>
-            <a:solidFill>
-              <a:schemeClr val="accent4">
-                <a:lumMod val="40000"/>
-                <a:lumOff val="60000"/>
-                <a:alpha val="14000"/>
-              </a:schemeClr>
-            </a:solidFill>
           </p:spPr>
         </p:pic>
         <p:sp>
